--- a/folien/week2.pptx
+++ b/folien/week2.pptx
@@ -261,7 +261,7 @@
           <a:p>
             <a:fld id="{21C000D9-2858-4F4C-AF5C-64F79A7C2410}" type="datetimeFigureOut">
               <a:rPr lang="en-US" smtClean="0"/>
-              <a:t>4/21/2021</a:t>
+              <a:t>4/27/2021</a:t>
             </a:fld>
             <a:endParaRPr lang="en-US"/>
           </a:p>
@@ -5280,7 +5280,7 @@
               <a:t>Nächste Woche: Mehr </a:t>
             </a:r>
             <a:r>
-              <a:rPr lang="de-DE" dirty="0" err="1"/>
+              <a:rPr lang="de-DE"/>
               <a:t>wissenschaft</a:t>
             </a:r>
             <a:endParaRPr lang="de-DE" dirty="0"/>
@@ -5336,12 +5336,8 @@
               <a:buNone/>
             </a:pPr>
             <a:r>
-              <a:rPr lang="de-DE" sz="1400"/>
-              <a:t>Döring</a:t>
-            </a:r>
-            <a:r>
               <a:rPr lang="de-DE" sz="1400" dirty="0"/>
-              <a:t>, N., &amp; Bortz, J. (2016). Forschungsmethoden und Evaluation. Teil 1: Grundlagen. Wiesbaden: Springer. </a:t>
+              <a:t>Döring, N., &amp; Bortz, J. (2016). Forschungsmethoden und Evaluation. Teil 1: Grundlagen. Wiesbaden: Springer. </a:t>
             </a:r>
           </a:p>
           <a:p>
